--- a/5_apresentacao/Desafio_CB.pptx
+++ b/5_apresentacao/Desafio_CB.pptx
@@ -2,54 +2,54 @@
 <file path=ppt/presentation.xml><?xml version="1.0" encoding="utf-8"?>
 <p:presentation xmlns:a="http://schemas.openxmlformats.org/drawingml/2006/main" xmlns:r="http://schemas.openxmlformats.org/officeDocument/2006/relationships" xmlns:mc="http://schemas.openxmlformats.org/markup-compatibility/2006" xmlns:mv="urn:schemas-microsoft-com:mac:vml" xmlns:p="http://schemas.openxmlformats.org/presentationml/2006/main" xmlns:c="http://schemas.openxmlformats.org/drawingml/2006/chart" xmlns:dgm="http://schemas.openxmlformats.org/drawingml/2006/diagram" xmlns:o="urn:schemas-microsoft-com:office:office" xmlns:v="urn:schemas-microsoft-com:vml" xmlns:pvml="urn:schemas-microsoft-com:office:powerpoint" xmlns:com="http://schemas.openxmlformats.org/drawingml/2006/compatibility" xmlns:p14="http://schemas.microsoft.com/office/powerpoint/2010/main" xmlns:p15="http://schemas.microsoft.com/office/powerpoint/2012/main" autoCompressPictures="0" embedTrueTypeFonts="1" strictFirstAndLastChars="0" saveSubsetFonts="1">
   <p:sldMasterIdLst>
-    <p:sldMasterId id="2147483648" r:id="rId4"/>
+    <p:sldMasterId id="2147483648" r:id="rId3"/>
   </p:sldMasterIdLst>
   <p:notesMasterIdLst>
-    <p:notesMasterId r:id="rId5"/>
+    <p:notesMasterId r:id="rId4"/>
   </p:notesMasterIdLst>
   <p:sldIdLst>
-    <p:sldId id="256" r:id="rId6"/>
-    <p:sldId id="257" r:id="rId7"/>
-    <p:sldId id="258" r:id="rId8"/>
-    <p:sldId id="259" r:id="rId9"/>
-    <p:sldId id="260" r:id="rId10"/>
-    <p:sldId id="261" r:id="rId11"/>
-    <p:sldId id="262" r:id="rId12"/>
-    <p:sldId id="263" r:id="rId13"/>
-    <p:sldId id="264" r:id="rId14"/>
-    <p:sldId id="265" r:id="rId15"/>
-    <p:sldId id="266" r:id="rId16"/>
-    <p:sldId id="267" r:id="rId17"/>
-    <p:sldId id="268" r:id="rId18"/>
-    <p:sldId id="269" r:id="rId19"/>
-    <p:sldId id="270" r:id="rId20"/>
-    <p:sldId id="271" r:id="rId21"/>
-    <p:sldId id="272" r:id="rId22"/>
-    <p:sldId id="273" r:id="rId23"/>
-    <p:sldId id="274" r:id="rId24"/>
-    <p:sldId id="275" r:id="rId25"/>
+    <p:sldId id="256" r:id="rId5"/>
+    <p:sldId id="257" r:id="rId6"/>
+    <p:sldId id="258" r:id="rId7"/>
+    <p:sldId id="259" r:id="rId8"/>
+    <p:sldId id="260" r:id="rId9"/>
+    <p:sldId id="261" r:id="rId10"/>
+    <p:sldId id="262" r:id="rId11"/>
+    <p:sldId id="263" r:id="rId12"/>
+    <p:sldId id="264" r:id="rId13"/>
+    <p:sldId id="265" r:id="rId14"/>
+    <p:sldId id="266" r:id="rId15"/>
+    <p:sldId id="267" r:id="rId16"/>
+    <p:sldId id="268" r:id="rId17"/>
+    <p:sldId id="269" r:id="rId18"/>
+    <p:sldId id="270" r:id="rId19"/>
+    <p:sldId id="271" r:id="rId20"/>
+    <p:sldId id="272" r:id="rId21"/>
+    <p:sldId id="273" r:id="rId22"/>
+    <p:sldId id="274" r:id="rId23"/>
+    <p:sldId id="275" r:id="rId24"/>
   </p:sldIdLst>
   <p:sldSz cy="6858000" cx="12192000"/>
   <p:notesSz cx="6858000" cy="9144000"/>
   <p:embeddedFontLst>
     <p:embeddedFont>
       <p:font typeface="Work Sans Medium"/>
-      <p:regular r:id="rId26"/>
+      <p:regular r:id="rId25"/>
+      <p:bold r:id="rId26"/>
+    </p:embeddedFont>
+    <p:embeddedFont>
+      <p:font typeface="Work Sans ExtraBold"/>
       <p:bold r:id="rId27"/>
     </p:embeddedFont>
     <p:embeddedFont>
-      <p:font typeface="Work Sans ExtraBold"/>
-      <p:bold r:id="rId28"/>
-    </p:embeddedFont>
-    <p:embeddedFont>
       <p:font typeface="Work Sans"/>
-      <p:regular r:id="rId29"/>
-      <p:bold r:id="rId30"/>
+      <p:regular r:id="rId28"/>
+      <p:bold r:id="rId29"/>
     </p:embeddedFont>
     <p:embeddedFont>
       <p:font typeface="Work Sans SemiBold"/>
-      <p:regular r:id="rId31"/>
-      <p:bold r:id="rId32"/>
+      <p:regular r:id="rId30"/>
+      <p:bold r:id="rId31"/>
     </p:embeddedFont>
   </p:embeddedFontLst>
   <p:defaultTextStyle>
@@ -283,33 +283,10 @@
   </p:defaultTextStyle>
   <p:extLst>
     <p:ext uri="http://customooxmlschemas.google.com/">
-      <go:slidesCustomData xmlns:go="http://customooxmlschemas.google.com/" r:id="rId33" roundtripDataSignature="AMtx7mjCeHBb/s8wgvRBVVi/XvKxLTOL2g=="/>
+      <go:slidesCustomData xmlns:go="http://customooxmlschemas.google.com/" r:id="rId32" roundtripDataSignature="AMtx7mhwmxEgbwTOZe1Jkhgr5lwht+5Muw=="/>
     </p:ext>
   </p:extLst>
 </p:presentation>
-</file>
-
-<file path=ppt/commentAuthors.xml><?xml version="1.0" encoding="utf-8"?>
-<p:cmAuthorLst xmlns:a="http://schemas.openxmlformats.org/drawingml/2006/main" xmlns:r="http://schemas.openxmlformats.org/officeDocument/2006/relationships" xmlns:mc="http://schemas.openxmlformats.org/markup-compatibility/2006" xmlns:mv="urn:schemas-microsoft-com:mac:vml" xmlns:p="http://schemas.openxmlformats.org/presentationml/2006/main" xmlns:c="http://schemas.openxmlformats.org/drawingml/2006/chart" xmlns:dgm="http://schemas.openxmlformats.org/drawingml/2006/diagram" xmlns:o="urn:schemas-microsoft-com:office:office" xmlns:v="urn:schemas-microsoft-com:vml" xmlns:pvml="urn:schemas-microsoft-com:office:powerpoint" xmlns:com="http://schemas.openxmlformats.org/drawingml/2006/compatibility" xmlns:p14="http://schemas.microsoft.com/office/powerpoint/2010/main" xmlns:p15="http://schemas.microsoft.com/office/powerpoint/2012/main">
-  <p:cmAuthor clrIdx="0" id="0" initials="" lastIdx="1" name="Sara Santana"/>
-</p:cmAuthorLst>
-</file>
-
-<file path=ppt/comments/comment1.xml><?xml version="1.0" encoding="utf-8"?>
-<p:cmLst xmlns:a="http://schemas.openxmlformats.org/drawingml/2006/main" xmlns:r="http://schemas.openxmlformats.org/officeDocument/2006/relationships" xmlns:mc="http://schemas.openxmlformats.org/markup-compatibility/2006" xmlns:mv="urn:schemas-microsoft-com:mac:vml" xmlns:p="http://schemas.openxmlformats.org/presentationml/2006/main" xmlns:c="http://schemas.openxmlformats.org/drawingml/2006/chart" xmlns:dgm="http://schemas.openxmlformats.org/drawingml/2006/diagram" xmlns:o="urn:schemas-microsoft-com:office:office" xmlns:v="urn:schemas-microsoft-com:vml" xmlns:pvml="urn:schemas-microsoft-com:office:powerpoint" xmlns:com="http://schemas.openxmlformats.org/drawingml/2006/compatibility" xmlns:p14="http://schemas.microsoft.com/office/powerpoint/2010/main" xmlns:p15="http://schemas.microsoft.com/office/powerpoint/2012/main">
-  <p:cm authorId="0" idx="1" dt="2019-12-16T12:12:58.762">
-    <p:pos x="6000" y="0"/>
-    <p:text>Creio que esse pode ser excluido</p:text>
-    <p:extLst>
-      <p:ext uri="{C676402C-5697-4E1C-873F-D02D1690AC5C}">
-        <p15:threadingInfo timeZoneBias="0"/>
-      </p:ext>
-      <p:ext uri="http://customooxmlschemas.google.com/">
-        <go:slidesCustomData xmlns:go="http://customooxmlschemas.google.com/" commentPostId="AAAAED0yOSU"/>
-      </p:ext>
-    </p:extLst>
-  </p:cm>
-</p:cmLst>
 </file>
 
 <file path=ppt/notesMasters/notesMaster1.xml><?xml version="1.0" encoding="utf-8"?>
@@ -15413,7 +15390,7 @@
           <p:nvPr/>
         </p:nvPicPr>
         <p:blipFill rotWithShape="1">
-          <a:blip r:embed="rId4">
+          <a:blip r:embed="rId3">
             <a:alphaModFix/>
           </a:blip>
           <a:srcRect b="0" l="0" r="57277" t="0"/>
@@ -15699,7 +15676,7 @@
           <p:nvPr/>
         </p:nvPicPr>
         <p:blipFill>
-          <a:blip r:embed="rId5">
+          <a:blip r:embed="rId4">
             <a:alphaModFix/>
           </a:blip>
           <a:stretch>
@@ -20197,6 +20174,285 @@
 </file>
 
 <file path=ppt/theme/theme1.xml><?xml version="1.0" encoding="utf-8"?>
+<a:theme xmlns:a="http://schemas.openxmlformats.org/drawingml/2006/main" xmlns:r="http://schemas.openxmlformats.org/officeDocument/2006/relationships" name="Office Theme">
+  <a:themeElements>
+    <a:clrScheme name="Office">
+      <a:dk1>
+        <a:srgbClr val="000000"/>
+      </a:dk1>
+      <a:lt1>
+        <a:srgbClr val="FFFFFF"/>
+      </a:lt1>
+      <a:dk2>
+        <a:srgbClr val="44546A"/>
+      </a:dk2>
+      <a:lt2>
+        <a:srgbClr val="E7E6E6"/>
+      </a:lt2>
+      <a:accent1>
+        <a:srgbClr val="4472C4"/>
+      </a:accent1>
+      <a:accent2>
+        <a:srgbClr val="ED7D31"/>
+      </a:accent2>
+      <a:accent3>
+        <a:srgbClr val="A5A5A5"/>
+      </a:accent3>
+      <a:accent4>
+        <a:srgbClr val="FFC000"/>
+      </a:accent4>
+      <a:accent5>
+        <a:srgbClr val="5B9BD5"/>
+      </a:accent5>
+      <a:accent6>
+        <a:srgbClr val="70AD47"/>
+      </a:accent6>
+      <a:hlink>
+        <a:srgbClr val="0563C1"/>
+      </a:hlink>
+      <a:folHlink>
+        <a:srgbClr val="954F72"/>
+      </a:folHlink>
+    </a:clrScheme>
+    <a:fontScheme name="Office">
+      <a:majorFont>
+        <a:latin typeface="Arial"/>
+        <a:ea typeface=""/>
+        <a:cs typeface=""/>
+        <a:font script="Jpan" typeface="ＭＳ Ｐゴシック"/>
+        <a:font script="Hang" typeface="맑은 고딕"/>
+        <a:font script="Hans" typeface="宋体"/>
+        <a:font script="Hant" typeface="新細明體"/>
+        <a:font script="Arab" typeface="Times New Roman"/>
+        <a:font script="Hebr" typeface="Times New Roman"/>
+        <a:font script="Thai" typeface="Angsana New"/>
+        <a:font script="Ethi" typeface="Nyala"/>
+        <a:font script="Beng" typeface="Vrinda"/>
+        <a:font script="Gujr" typeface="Shruti"/>
+        <a:font script="Khmr" typeface="MoolBoran"/>
+        <a:font script="Knda" typeface="Tunga"/>
+        <a:font script="Guru" typeface="Raavi"/>
+        <a:font script="Cans" typeface="Euphemia"/>
+        <a:font script="Cher" typeface="Plantagenet Cherokee"/>
+        <a:font script="Yiii" typeface="Microsoft Yi Baiti"/>
+        <a:font script="Tibt" typeface="Microsoft Himalaya"/>
+        <a:font script="Thaa" typeface="MV Boli"/>
+        <a:font script="Deva" typeface="Mangal"/>
+        <a:font script="Telu" typeface="Gautami"/>
+        <a:font script="Taml" typeface="Latha"/>
+        <a:font script="Syrc" typeface="Estrangelo Edessa"/>
+        <a:font script="Orya" typeface="Kalinga"/>
+        <a:font script="Mlym" typeface="Kartika"/>
+        <a:font script="Laoo" typeface="DokChampa"/>
+        <a:font script="Sinh" typeface="Iskoola Pota"/>
+        <a:font script="Mong" typeface="Mongolian Baiti"/>
+        <a:font script="Viet" typeface="Times New Roman"/>
+        <a:font script="Uigh" typeface="Microsoft Uighur"/>
+        <a:font script="Geor" typeface="Sylfaen"/>
+      </a:majorFont>
+      <a:minorFont>
+        <a:latin typeface="Arial"/>
+        <a:ea typeface=""/>
+        <a:cs typeface=""/>
+        <a:font script="Jpan" typeface="ＭＳ Ｐゴシック"/>
+        <a:font script="Hang" typeface="맑은 고딕"/>
+        <a:font script="Hans" typeface="宋体"/>
+        <a:font script="Hant" typeface="新細明體"/>
+        <a:font script="Arab" typeface="Arial"/>
+        <a:font script="Hebr" typeface="Arial"/>
+        <a:font script="Thai" typeface="Cordia New"/>
+        <a:font script="Ethi" typeface="Nyala"/>
+        <a:font script="Beng" typeface="Vrinda"/>
+        <a:font script="Gujr" typeface="Shruti"/>
+        <a:font script="Khmr" typeface="DaunPenh"/>
+        <a:font script="Knda" typeface="Tunga"/>
+        <a:font script="Guru" typeface="Raavi"/>
+        <a:font script="Cans" typeface="Euphemia"/>
+        <a:font script="Cher" typeface="Plantagenet Cherokee"/>
+        <a:font script="Yiii" typeface="Microsoft Yi Baiti"/>
+        <a:font script="Tibt" typeface="Microsoft Himalaya"/>
+        <a:font script="Thaa" typeface="MV Boli"/>
+        <a:font script="Deva" typeface="Mangal"/>
+        <a:font script="Telu" typeface="Gautami"/>
+        <a:font script="Taml" typeface="Latha"/>
+        <a:font script="Syrc" typeface="Estrangelo Edessa"/>
+        <a:font script="Orya" typeface="Kalinga"/>
+        <a:font script="Mlym" typeface="Kartika"/>
+        <a:font script="Laoo" typeface="DokChampa"/>
+        <a:font script="Sinh" typeface="Iskoola Pota"/>
+        <a:font script="Mong" typeface="Mongolian Baiti"/>
+        <a:font script="Viet" typeface="Arial"/>
+        <a:font script="Uigh" typeface="Microsoft Uighur"/>
+        <a:font script="Geor" typeface="Sylfaen"/>
+      </a:minorFont>
+    </a:fontScheme>
+    <a:fmtScheme name="Office">
+      <a:fillStyleLst>
+        <a:solidFill>
+          <a:schemeClr val="phClr"/>
+        </a:solidFill>
+        <a:gradFill rotWithShape="1">
+          <a:gsLst>
+            <a:gs pos="0">
+              <a:schemeClr val="phClr">
+                <a:tint val="50000"/>
+                <a:satMod val="300000"/>
+              </a:schemeClr>
+            </a:gs>
+            <a:gs pos="35000">
+              <a:schemeClr val="phClr">
+                <a:tint val="37000"/>
+                <a:satMod val="300000"/>
+              </a:schemeClr>
+            </a:gs>
+            <a:gs pos="100000">
+              <a:schemeClr val="phClr">
+                <a:tint val="15000"/>
+                <a:satMod val="350000"/>
+              </a:schemeClr>
+            </a:gs>
+          </a:gsLst>
+          <a:lin ang="16200000" scaled="1"/>
+        </a:gradFill>
+        <a:gradFill rotWithShape="1">
+          <a:gsLst>
+            <a:gs pos="0">
+              <a:schemeClr val="phClr">
+                <a:tint val="100000"/>
+                <a:shade val="100000"/>
+                <a:satMod val="130000"/>
+              </a:schemeClr>
+            </a:gs>
+            <a:gs pos="100000">
+              <a:schemeClr val="phClr">
+                <a:tint val="50000"/>
+                <a:shade val="100000"/>
+                <a:satMod val="350000"/>
+              </a:schemeClr>
+            </a:gs>
+          </a:gsLst>
+          <a:lin ang="16200000" scaled="0"/>
+        </a:gradFill>
+      </a:fillStyleLst>
+      <a:lnStyleLst>
+        <a:ln w="9525" cap="flat" cmpd="sng" algn="ctr">
+          <a:solidFill>
+            <a:schemeClr val="phClr">
+              <a:shade val="95000"/>
+              <a:satMod val="105000"/>
+            </a:schemeClr>
+          </a:solidFill>
+          <a:prstDash val="solid"/>
+        </a:ln>
+        <a:ln w="25400" cap="flat" cmpd="sng" algn="ctr">
+          <a:solidFill>
+            <a:schemeClr val="phClr"/>
+          </a:solidFill>
+          <a:prstDash val="solid"/>
+        </a:ln>
+        <a:ln w="38100" cap="flat" cmpd="sng" algn="ctr">
+          <a:solidFill>
+            <a:schemeClr val="phClr"/>
+          </a:solidFill>
+          <a:prstDash val="solid"/>
+        </a:ln>
+      </a:lnStyleLst>
+      <a:effectStyleLst>
+        <a:effectStyle>
+          <a:effectLst>
+            <a:outerShdw blurRad="40000" dist="20000" dir="5400000" rotWithShape="0">
+              <a:srgbClr val="000000">
+                <a:alpha val="38000"/>
+              </a:srgbClr>
+            </a:outerShdw>
+          </a:effectLst>
+        </a:effectStyle>
+        <a:effectStyle>
+          <a:effectLst>
+            <a:outerShdw blurRad="40000" dist="23000" dir="5400000" rotWithShape="0">
+              <a:srgbClr val="000000">
+                <a:alpha val="35000"/>
+              </a:srgbClr>
+            </a:outerShdw>
+          </a:effectLst>
+        </a:effectStyle>
+        <a:effectStyle>
+          <a:effectLst>
+            <a:outerShdw blurRad="40000" dist="23000" dir="5400000" rotWithShape="0">
+              <a:srgbClr val="000000">
+                <a:alpha val="35000"/>
+              </a:srgbClr>
+            </a:outerShdw>
+          </a:effectLst>
+          <a:scene3d>
+            <a:camera prst="orthographicFront">
+              <a:rot lat="0" lon="0" rev="0"/>
+            </a:camera>
+            <a:lightRig rig="threePt" dir="t">
+              <a:rot lat="0" lon="0" rev="1200000"/>
+            </a:lightRig>
+          </a:scene3d>
+          <a:sp3d>
+            <a:bevelT w="63500" h="25400"/>
+          </a:sp3d>
+        </a:effectStyle>
+      </a:effectStyleLst>
+      <a:bgFillStyleLst>
+        <a:solidFill>
+          <a:schemeClr val="phClr"/>
+        </a:solidFill>
+        <a:gradFill rotWithShape="1">
+          <a:gsLst>
+            <a:gs pos="0">
+              <a:schemeClr val="phClr">
+                <a:tint val="40000"/>
+                <a:satMod val="350000"/>
+              </a:schemeClr>
+            </a:gs>
+            <a:gs pos="40000">
+              <a:schemeClr val="phClr">
+                <a:tint val="45000"/>
+                <a:shade val="99000"/>
+                <a:satMod val="350000"/>
+              </a:schemeClr>
+            </a:gs>
+            <a:gs pos="100000">
+              <a:schemeClr val="phClr">
+                <a:shade val="20000"/>
+                <a:satMod val="255000"/>
+              </a:schemeClr>
+            </a:gs>
+          </a:gsLst>
+          <a:path path="circle">
+            <a:fillToRect l="50000" t="-80000" r="50000" b="180000"/>
+          </a:path>
+        </a:gradFill>
+        <a:gradFill rotWithShape="1">
+          <a:gsLst>
+            <a:gs pos="0">
+              <a:schemeClr val="phClr">
+                <a:tint val="80000"/>
+                <a:satMod val="300000"/>
+              </a:schemeClr>
+            </a:gs>
+            <a:gs pos="100000">
+              <a:schemeClr val="phClr">
+                <a:shade val="30000"/>
+                <a:satMod val="200000"/>
+              </a:schemeClr>
+            </a:gs>
+          </a:gsLst>
+          <a:path path="circle">
+            <a:fillToRect l="50000" t="50000" r="50000" b="50000"/>
+          </a:path>
+        </a:gradFill>
+      </a:bgFillStyleLst>
+    </a:fmtScheme>
+  </a:themeElements>
+</a:theme>
+</file>
+
+<file path=ppt/theme/theme2.xml><?xml version="1.0" encoding="utf-8"?>
 <a:theme xmlns:a="http://schemas.openxmlformats.org/drawingml/2006/main" xmlns:r="http://schemas.openxmlformats.org/officeDocument/2006/relationships" name="Simple Light">
   <a:themeElements>
     <a:clrScheme name="Simple Light">
@@ -20473,283 +20729,4 @@
     </a:fmtScheme>
   </a:themeElements>
 </a:theme>
-</file>
-
-<file path=ppt/theme/theme2.xml><?xml version="1.0" encoding="utf-8"?>
-<a:theme xmlns:a="http://schemas.openxmlformats.org/drawingml/2006/main" xmlns:r="http://schemas.openxmlformats.org/officeDocument/2006/relationships" name="Office Theme">
-  <a:themeElements>
-    <a:clrScheme name="Office">
-      <a:dk1>
-        <a:srgbClr val="000000"/>
-      </a:dk1>
-      <a:lt1>
-        <a:srgbClr val="FFFFFF"/>
-      </a:lt1>
-      <a:dk2>
-        <a:srgbClr val="44546A"/>
-      </a:dk2>
-      <a:lt2>
-        <a:srgbClr val="E7E6E6"/>
-      </a:lt2>
-      <a:accent1>
-        <a:srgbClr val="4472C4"/>
-      </a:accent1>
-      <a:accent2>
-        <a:srgbClr val="ED7D31"/>
-      </a:accent2>
-      <a:accent3>
-        <a:srgbClr val="A5A5A5"/>
-      </a:accent3>
-      <a:accent4>
-        <a:srgbClr val="FFC000"/>
-      </a:accent4>
-      <a:accent5>
-        <a:srgbClr val="5B9BD5"/>
-      </a:accent5>
-      <a:accent6>
-        <a:srgbClr val="70AD47"/>
-      </a:accent6>
-      <a:hlink>
-        <a:srgbClr val="0563C1"/>
-      </a:hlink>
-      <a:folHlink>
-        <a:srgbClr val="954F72"/>
-      </a:folHlink>
-    </a:clrScheme>
-    <a:fontScheme name="Office">
-      <a:majorFont>
-        <a:latin typeface="Arial"/>
-        <a:ea typeface=""/>
-        <a:cs typeface=""/>
-        <a:font script="Jpan" typeface="ＭＳ Ｐゴシック"/>
-        <a:font script="Hang" typeface="맑은 고딕"/>
-        <a:font script="Hans" typeface="宋体"/>
-        <a:font script="Hant" typeface="新細明體"/>
-        <a:font script="Arab" typeface="Times New Roman"/>
-        <a:font script="Hebr" typeface="Times New Roman"/>
-        <a:font script="Thai" typeface="Angsana New"/>
-        <a:font script="Ethi" typeface="Nyala"/>
-        <a:font script="Beng" typeface="Vrinda"/>
-        <a:font script="Gujr" typeface="Shruti"/>
-        <a:font script="Khmr" typeface="MoolBoran"/>
-        <a:font script="Knda" typeface="Tunga"/>
-        <a:font script="Guru" typeface="Raavi"/>
-        <a:font script="Cans" typeface="Euphemia"/>
-        <a:font script="Cher" typeface="Plantagenet Cherokee"/>
-        <a:font script="Yiii" typeface="Microsoft Yi Baiti"/>
-        <a:font script="Tibt" typeface="Microsoft Himalaya"/>
-        <a:font script="Thaa" typeface="MV Boli"/>
-        <a:font script="Deva" typeface="Mangal"/>
-        <a:font script="Telu" typeface="Gautami"/>
-        <a:font script="Taml" typeface="Latha"/>
-        <a:font script="Syrc" typeface="Estrangelo Edessa"/>
-        <a:font script="Orya" typeface="Kalinga"/>
-        <a:font script="Mlym" typeface="Kartika"/>
-        <a:font script="Laoo" typeface="DokChampa"/>
-        <a:font script="Sinh" typeface="Iskoola Pota"/>
-        <a:font script="Mong" typeface="Mongolian Baiti"/>
-        <a:font script="Viet" typeface="Times New Roman"/>
-        <a:font script="Uigh" typeface="Microsoft Uighur"/>
-        <a:font script="Geor" typeface="Sylfaen"/>
-      </a:majorFont>
-      <a:minorFont>
-        <a:latin typeface="Arial"/>
-        <a:ea typeface=""/>
-        <a:cs typeface=""/>
-        <a:font script="Jpan" typeface="ＭＳ Ｐゴシック"/>
-        <a:font script="Hang" typeface="맑은 고딕"/>
-        <a:font script="Hans" typeface="宋体"/>
-        <a:font script="Hant" typeface="新細明體"/>
-        <a:font script="Arab" typeface="Arial"/>
-        <a:font script="Hebr" typeface="Arial"/>
-        <a:font script="Thai" typeface="Cordia New"/>
-        <a:font script="Ethi" typeface="Nyala"/>
-        <a:font script="Beng" typeface="Vrinda"/>
-        <a:font script="Gujr" typeface="Shruti"/>
-        <a:font script="Khmr" typeface="DaunPenh"/>
-        <a:font script="Knda" typeface="Tunga"/>
-        <a:font script="Guru" typeface="Raavi"/>
-        <a:font script="Cans" typeface="Euphemia"/>
-        <a:font script="Cher" typeface="Plantagenet Cherokee"/>
-        <a:font script="Yiii" typeface="Microsoft Yi Baiti"/>
-        <a:font script="Tibt" typeface="Microsoft Himalaya"/>
-        <a:font script="Thaa" typeface="MV Boli"/>
-        <a:font script="Deva" typeface="Mangal"/>
-        <a:font script="Telu" typeface="Gautami"/>
-        <a:font script="Taml" typeface="Latha"/>
-        <a:font script="Syrc" typeface="Estrangelo Edessa"/>
-        <a:font script="Orya" typeface="Kalinga"/>
-        <a:font script="Mlym" typeface="Kartika"/>
-        <a:font script="Laoo" typeface="DokChampa"/>
-        <a:font script="Sinh" typeface="Iskoola Pota"/>
-        <a:font script="Mong" typeface="Mongolian Baiti"/>
-        <a:font script="Viet" typeface="Arial"/>
-        <a:font script="Uigh" typeface="Microsoft Uighur"/>
-        <a:font script="Geor" typeface="Sylfaen"/>
-      </a:minorFont>
-    </a:fontScheme>
-    <a:fmtScheme name="Office">
-      <a:fillStyleLst>
-        <a:solidFill>
-          <a:schemeClr val="phClr"/>
-        </a:solidFill>
-        <a:gradFill rotWithShape="1">
-          <a:gsLst>
-            <a:gs pos="0">
-              <a:schemeClr val="phClr">
-                <a:tint val="50000"/>
-                <a:satMod val="300000"/>
-              </a:schemeClr>
-            </a:gs>
-            <a:gs pos="35000">
-              <a:schemeClr val="phClr">
-                <a:tint val="37000"/>
-                <a:satMod val="300000"/>
-              </a:schemeClr>
-            </a:gs>
-            <a:gs pos="100000">
-              <a:schemeClr val="phClr">
-                <a:tint val="15000"/>
-                <a:satMod val="350000"/>
-              </a:schemeClr>
-            </a:gs>
-          </a:gsLst>
-          <a:lin ang="16200000" scaled="1"/>
-        </a:gradFill>
-        <a:gradFill rotWithShape="1">
-          <a:gsLst>
-            <a:gs pos="0">
-              <a:schemeClr val="phClr">
-                <a:tint val="100000"/>
-                <a:shade val="100000"/>
-                <a:satMod val="130000"/>
-              </a:schemeClr>
-            </a:gs>
-            <a:gs pos="100000">
-              <a:schemeClr val="phClr">
-                <a:tint val="50000"/>
-                <a:shade val="100000"/>
-                <a:satMod val="350000"/>
-              </a:schemeClr>
-            </a:gs>
-          </a:gsLst>
-          <a:lin ang="16200000" scaled="0"/>
-        </a:gradFill>
-      </a:fillStyleLst>
-      <a:lnStyleLst>
-        <a:ln w="9525" cap="flat" cmpd="sng" algn="ctr">
-          <a:solidFill>
-            <a:schemeClr val="phClr">
-              <a:shade val="95000"/>
-              <a:satMod val="105000"/>
-            </a:schemeClr>
-          </a:solidFill>
-          <a:prstDash val="solid"/>
-        </a:ln>
-        <a:ln w="25400" cap="flat" cmpd="sng" algn="ctr">
-          <a:solidFill>
-            <a:schemeClr val="phClr"/>
-          </a:solidFill>
-          <a:prstDash val="solid"/>
-        </a:ln>
-        <a:ln w="38100" cap="flat" cmpd="sng" algn="ctr">
-          <a:solidFill>
-            <a:schemeClr val="phClr"/>
-          </a:solidFill>
-          <a:prstDash val="solid"/>
-        </a:ln>
-      </a:lnStyleLst>
-      <a:effectStyleLst>
-        <a:effectStyle>
-          <a:effectLst>
-            <a:outerShdw blurRad="40000" dist="20000" dir="5400000" rotWithShape="0">
-              <a:srgbClr val="000000">
-                <a:alpha val="38000"/>
-              </a:srgbClr>
-            </a:outerShdw>
-          </a:effectLst>
-        </a:effectStyle>
-        <a:effectStyle>
-          <a:effectLst>
-            <a:outerShdw blurRad="40000" dist="23000" dir="5400000" rotWithShape="0">
-              <a:srgbClr val="000000">
-                <a:alpha val="35000"/>
-              </a:srgbClr>
-            </a:outerShdw>
-          </a:effectLst>
-        </a:effectStyle>
-        <a:effectStyle>
-          <a:effectLst>
-            <a:outerShdw blurRad="40000" dist="23000" dir="5400000" rotWithShape="0">
-              <a:srgbClr val="000000">
-                <a:alpha val="35000"/>
-              </a:srgbClr>
-            </a:outerShdw>
-          </a:effectLst>
-          <a:scene3d>
-            <a:camera prst="orthographicFront">
-              <a:rot lat="0" lon="0" rev="0"/>
-            </a:camera>
-            <a:lightRig rig="threePt" dir="t">
-              <a:rot lat="0" lon="0" rev="1200000"/>
-            </a:lightRig>
-          </a:scene3d>
-          <a:sp3d>
-            <a:bevelT w="63500" h="25400"/>
-          </a:sp3d>
-        </a:effectStyle>
-      </a:effectStyleLst>
-      <a:bgFillStyleLst>
-        <a:solidFill>
-          <a:schemeClr val="phClr"/>
-        </a:solidFill>
-        <a:gradFill rotWithShape="1">
-          <a:gsLst>
-            <a:gs pos="0">
-              <a:schemeClr val="phClr">
-                <a:tint val="40000"/>
-                <a:satMod val="350000"/>
-              </a:schemeClr>
-            </a:gs>
-            <a:gs pos="40000">
-              <a:schemeClr val="phClr">
-                <a:tint val="45000"/>
-                <a:shade val="99000"/>
-                <a:satMod val="350000"/>
-              </a:schemeClr>
-            </a:gs>
-            <a:gs pos="100000">
-              <a:schemeClr val="phClr">
-                <a:shade val="20000"/>
-                <a:satMod val="255000"/>
-              </a:schemeClr>
-            </a:gs>
-          </a:gsLst>
-          <a:path path="circle">
-            <a:fillToRect l="50000" t="-80000" r="50000" b="180000"/>
-          </a:path>
-        </a:gradFill>
-        <a:gradFill rotWithShape="1">
-          <a:gsLst>
-            <a:gs pos="0">
-              <a:schemeClr val="phClr">
-                <a:tint val="80000"/>
-                <a:satMod val="300000"/>
-              </a:schemeClr>
-            </a:gs>
-            <a:gs pos="100000">
-              <a:schemeClr val="phClr">
-                <a:shade val="30000"/>
-                <a:satMod val="200000"/>
-              </a:schemeClr>
-            </a:gs>
-          </a:gsLst>
-          <a:path path="circle">
-            <a:fillToRect l="50000" t="50000" r="50000" b="50000"/>
-          </a:path>
-        </a:gradFill>
-      </a:bgFillStyleLst>
-    </a:fmtScheme>
-  </a:themeElements>
-</a:theme>
 </file>